--- a/ppt 16-9/1545.回到耶稣身边来.pptx
+++ b/ppt 16-9/1545.回到耶稣身边来.pptx
@@ -5,7 +5,7 @@
     <p:sldMasterId id="2147483648" r:id="rId1"/>
   </p:sldMasterIdLst>
   <p:sldIdLst>
-    <p:sldId id="3394" r:id="rId2"/>
+    <p:sldId id="3395" r:id="rId2"/>
   </p:sldIdLst>
   <p:sldSz cx="12192000" cy="6858000"/>
   <p:notesSz cx="6858000" cy="9144000"/>
@@ -129,7 +129,7 @@
           <p:cNvPr id="2" name="标题 1">
             <a:extLst>
               <a:ext uri="{FF2B5EF4-FFF2-40B4-BE49-F238E27FC236}">
-                <a16:creationId xmlns:a16="http://schemas.microsoft.com/office/drawing/2014/main" id="{52C5DB30-4807-24E1-4A21-AD628EC4D57B}"/>
+                <a16:creationId xmlns:a16="http://schemas.microsoft.com/office/drawing/2014/main" id="{BDAE7E3D-F427-6837-304C-73B3FEEE6BB6}"/>
               </a:ext>
             </a:extLst>
           </p:cNvPr>
@@ -166,7 +166,7 @@
           <p:cNvPr id="3" name="副标题 2">
             <a:extLst>
               <a:ext uri="{FF2B5EF4-FFF2-40B4-BE49-F238E27FC236}">
-                <a16:creationId xmlns:a16="http://schemas.microsoft.com/office/drawing/2014/main" id="{03574A35-A8B2-C5CD-A219-6F6576182772}"/>
+                <a16:creationId xmlns:a16="http://schemas.microsoft.com/office/drawing/2014/main" id="{B120428D-0A2C-361C-4386-88BB7AF35B64}"/>
               </a:ext>
             </a:extLst>
           </p:cNvPr>
@@ -236,7 +236,7 @@
           <p:cNvPr id="4" name="日期占位符 3">
             <a:extLst>
               <a:ext uri="{FF2B5EF4-FFF2-40B4-BE49-F238E27FC236}">
-                <a16:creationId xmlns:a16="http://schemas.microsoft.com/office/drawing/2014/main" id="{7779A2D2-0FC0-9C55-E577-C8569A7E3DD2}"/>
+                <a16:creationId xmlns:a16="http://schemas.microsoft.com/office/drawing/2014/main" id="{F26CC869-3D60-4E49-537B-DD01FD106034}"/>
               </a:ext>
             </a:extLst>
           </p:cNvPr>
@@ -252,7 +252,7 @@
           <a:bodyPr/>
           <a:lstStyle/>
           <a:p>
-            <a:fld id="{2BEE4D89-FD90-40CC-8E14-ECC08A759B65}" type="datetimeFigureOut">
+            <a:fld id="{300EF2B6-4020-4898-8ADB-9B87F30734A1}" type="datetimeFigureOut">
               <a:rPr lang="zh-CN" altLang="en-US" smtClean="0"/>
               <a:t>2024/3/10</a:t>
             </a:fld>
@@ -265,7 +265,7 @@
           <p:cNvPr id="5" name="页脚占位符 4">
             <a:extLst>
               <a:ext uri="{FF2B5EF4-FFF2-40B4-BE49-F238E27FC236}">
-                <a16:creationId xmlns:a16="http://schemas.microsoft.com/office/drawing/2014/main" id="{55A377AB-86FE-B022-4B11-B5218E85289A}"/>
+                <a16:creationId xmlns:a16="http://schemas.microsoft.com/office/drawing/2014/main" id="{7C710C5F-3071-A155-FF73-4CA9BD229998}"/>
               </a:ext>
             </a:extLst>
           </p:cNvPr>
@@ -290,7 +290,7 @@
           <p:cNvPr id="6" name="灯片编号占位符 5">
             <a:extLst>
               <a:ext uri="{FF2B5EF4-FFF2-40B4-BE49-F238E27FC236}">
-                <a16:creationId xmlns:a16="http://schemas.microsoft.com/office/drawing/2014/main" id="{0FDF914D-C9B0-189F-CA8B-C8737202FBFF}"/>
+                <a16:creationId xmlns:a16="http://schemas.microsoft.com/office/drawing/2014/main" id="{006C290C-81D8-68DE-FDBD-F4DF03545F0F}"/>
               </a:ext>
             </a:extLst>
           </p:cNvPr>
@@ -306,7 +306,7 @@
           <a:bodyPr/>
           <a:lstStyle/>
           <a:p>
-            <a:fld id="{346387A5-F59F-41E7-B310-176BB180DF38}" type="slidenum">
+            <a:fld id="{C9B30739-415D-4689-8EDA-61CC47E29653}" type="slidenum">
               <a:rPr lang="zh-CN" altLang="en-US" smtClean="0"/>
               <a:t>‹#›</a:t>
             </a:fld>
@@ -317,7 +317,7 @@
     </p:spTree>
     <p:extLst>
       <p:ext uri="{BB962C8B-B14F-4D97-AF65-F5344CB8AC3E}">
-        <p14:creationId xmlns:p14="http://schemas.microsoft.com/office/powerpoint/2010/main" val="2797420375"/>
+        <p14:creationId xmlns:p14="http://schemas.microsoft.com/office/powerpoint/2010/main" val="4162828844"/>
       </p:ext>
     </p:extLst>
   </p:cSld>
@@ -349,7 +349,7 @@
           <p:cNvPr id="2" name="标题 1">
             <a:extLst>
               <a:ext uri="{FF2B5EF4-FFF2-40B4-BE49-F238E27FC236}">
-                <a16:creationId xmlns:a16="http://schemas.microsoft.com/office/drawing/2014/main" id="{F6A265A4-C6C6-6410-70BD-2E29B328E04D}"/>
+                <a16:creationId xmlns:a16="http://schemas.microsoft.com/office/drawing/2014/main" id="{505A7DFD-FB60-1A40-EEDA-00B5710050FB}"/>
               </a:ext>
             </a:extLst>
           </p:cNvPr>
@@ -377,7 +377,7 @@
           <p:cNvPr id="3" name="竖排文字占位符 2">
             <a:extLst>
               <a:ext uri="{FF2B5EF4-FFF2-40B4-BE49-F238E27FC236}">
-                <a16:creationId xmlns:a16="http://schemas.microsoft.com/office/drawing/2014/main" id="{B973044A-A02D-D09E-5F19-517C9236F0A7}"/>
+                <a16:creationId xmlns:a16="http://schemas.microsoft.com/office/drawing/2014/main" id="{EA770ABD-847A-6F6E-01C3-769D7B1009B4}"/>
               </a:ext>
             </a:extLst>
           </p:cNvPr>
@@ -434,7 +434,7 @@
           <p:cNvPr id="4" name="日期占位符 3">
             <a:extLst>
               <a:ext uri="{FF2B5EF4-FFF2-40B4-BE49-F238E27FC236}">
-                <a16:creationId xmlns:a16="http://schemas.microsoft.com/office/drawing/2014/main" id="{53C7D8D0-4873-F021-C779-E1C3D0C276F1}"/>
+                <a16:creationId xmlns:a16="http://schemas.microsoft.com/office/drawing/2014/main" id="{DA8F3D65-C770-97B5-C12D-D3737C3E73FF}"/>
               </a:ext>
             </a:extLst>
           </p:cNvPr>
@@ -450,7 +450,7 @@
           <a:bodyPr/>
           <a:lstStyle/>
           <a:p>
-            <a:fld id="{2BEE4D89-FD90-40CC-8E14-ECC08A759B65}" type="datetimeFigureOut">
+            <a:fld id="{300EF2B6-4020-4898-8ADB-9B87F30734A1}" type="datetimeFigureOut">
               <a:rPr lang="zh-CN" altLang="en-US" smtClean="0"/>
               <a:t>2024/3/10</a:t>
             </a:fld>
@@ -463,7 +463,7 @@
           <p:cNvPr id="5" name="页脚占位符 4">
             <a:extLst>
               <a:ext uri="{FF2B5EF4-FFF2-40B4-BE49-F238E27FC236}">
-                <a16:creationId xmlns:a16="http://schemas.microsoft.com/office/drawing/2014/main" id="{230CEA78-486C-88EB-052B-42FA7EF0A958}"/>
+                <a16:creationId xmlns:a16="http://schemas.microsoft.com/office/drawing/2014/main" id="{5F6A95B2-AACC-BCFE-98B5-4DF22872B2B9}"/>
               </a:ext>
             </a:extLst>
           </p:cNvPr>
@@ -488,7 +488,7 @@
           <p:cNvPr id="6" name="灯片编号占位符 5">
             <a:extLst>
               <a:ext uri="{FF2B5EF4-FFF2-40B4-BE49-F238E27FC236}">
-                <a16:creationId xmlns:a16="http://schemas.microsoft.com/office/drawing/2014/main" id="{56C4D1C0-BB1D-0355-39E0-81CA79C558E4}"/>
+                <a16:creationId xmlns:a16="http://schemas.microsoft.com/office/drawing/2014/main" id="{2B9C947A-E511-8FC8-1A57-FFBA14AE1C06}"/>
               </a:ext>
             </a:extLst>
           </p:cNvPr>
@@ -504,7 +504,7 @@
           <a:bodyPr/>
           <a:lstStyle/>
           <a:p>
-            <a:fld id="{346387A5-F59F-41E7-B310-176BB180DF38}" type="slidenum">
+            <a:fld id="{C9B30739-415D-4689-8EDA-61CC47E29653}" type="slidenum">
               <a:rPr lang="zh-CN" altLang="en-US" smtClean="0"/>
               <a:t>‹#›</a:t>
             </a:fld>
@@ -515,7 +515,7 @@
     </p:spTree>
     <p:extLst>
       <p:ext uri="{BB962C8B-B14F-4D97-AF65-F5344CB8AC3E}">
-        <p14:creationId xmlns:p14="http://schemas.microsoft.com/office/powerpoint/2010/main" val="2574562485"/>
+        <p14:creationId xmlns:p14="http://schemas.microsoft.com/office/powerpoint/2010/main" val="2690698576"/>
       </p:ext>
     </p:extLst>
   </p:cSld>
@@ -547,7 +547,7 @@
           <p:cNvPr id="2" name="竖排标题 1">
             <a:extLst>
               <a:ext uri="{FF2B5EF4-FFF2-40B4-BE49-F238E27FC236}">
-                <a16:creationId xmlns:a16="http://schemas.microsoft.com/office/drawing/2014/main" id="{41936C8B-B5A0-EBFA-2CE9-340FACF7E03E}"/>
+                <a16:creationId xmlns:a16="http://schemas.microsoft.com/office/drawing/2014/main" id="{3967C968-B4C8-BEFC-D739-DE134B146C2D}"/>
               </a:ext>
             </a:extLst>
           </p:cNvPr>
@@ -580,7 +580,7 @@
           <p:cNvPr id="3" name="竖排文字占位符 2">
             <a:extLst>
               <a:ext uri="{FF2B5EF4-FFF2-40B4-BE49-F238E27FC236}">
-                <a16:creationId xmlns:a16="http://schemas.microsoft.com/office/drawing/2014/main" id="{14FD0ABC-5F4C-B7CB-EA54-B3F9766E7136}"/>
+                <a16:creationId xmlns:a16="http://schemas.microsoft.com/office/drawing/2014/main" id="{08BDC9D7-29B6-84F3-C762-A0B3B2CF4285}"/>
               </a:ext>
             </a:extLst>
           </p:cNvPr>
@@ -642,7 +642,7 @@
           <p:cNvPr id="4" name="日期占位符 3">
             <a:extLst>
               <a:ext uri="{FF2B5EF4-FFF2-40B4-BE49-F238E27FC236}">
-                <a16:creationId xmlns:a16="http://schemas.microsoft.com/office/drawing/2014/main" id="{BE679FBE-F162-E9FF-7405-256C528EF8FE}"/>
+                <a16:creationId xmlns:a16="http://schemas.microsoft.com/office/drawing/2014/main" id="{A61769C8-D567-54C2-EDCA-8F9C0D7E4362}"/>
               </a:ext>
             </a:extLst>
           </p:cNvPr>
@@ -658,7 +658,7 @@
           <a:bodyPr/>
           <a:lstStyle/>
           <a:p>
-            <a:fld id="{2BEE4D89-FD90-40CC-8E14-ECC08A759B65}" type="datetimeFigureOut">
+            <a:fld id="{300EF2B6-4020-4898-8ADB-9B87F30734A1}" type="datetimeFigureOut">
               <a:rPr lang="zh-CN" altLang="en-US" smtClean="0"/>
               <a:t>2024/3/10</a:t>
             </a:fld>
@@ -671,7 +671,7 @@
           <p:cNvPr id="5" name="页脚占位符 4">
             <a:extLst>
               <a:ext uri="{FF2B5EF4-FFF2-40B4-BE49-F238E27FC236}">
-                <a16:creationId xmlns:a16="http://schemas.microsoft.com/office/drawing/2014/main" id="{CBA7FCF1-4D1B-80C7-5BEE-ECB6EC57CFF5}"/>
+                <a16:creationId xmlns:a16="http://schemas.microsoft.com/office/drawing/2014/main" id="{E805132E-C36F-95C9-548F-93B4F95DC605}"/>
               </a:ext>
             </a:extLst>
           </p:cNvPr>
@@ -696,7 +696,7 @@
           <p:cNvPr id="6" name="灯片编号占位符 5">
             <a:extLst>
               <a:ext uri="{FF2B5EF4-FFF2-40B4-BE49-F238E27FC236}">
-                <a16:creationId xmlns:a16="http://schemas.microsoft.com/office/drawing/2014/main" id="{EC32875B-DFBD-71DF-6825-E460C1DC3EBD}"/>
+                <a16:creationId xmlns:a16="http://schemas.microsoft.com/office/drawing/2014/main" id="{AD19397B-535D-252B-C5A7-58EEAB4AE2F0}"/>
               </a:ext>
             </a:extLst>
           </p:cNvPr>
@@ -712,7 +712,7 @@
           <a:bodyPr/>
           <a:lstStyle/>
           <a:p>
-            <a:fld id="{346387A5-F59F-41E7-B310-176BB180DF38}" type="slidenum">
+            <a:fld id="{C9B30739-415D-4689-8EDA-61CC47E29653}" type="slidenum">
               <a:rPr lang="zh-CN" altLang="en-US" smtClean="0"/>
               <a:t>‹#›</a:t>
             </a:fld>
@@ -723,7 +723,7 @@
     </p:spTree>
     <p:extLst>
       <p:ext uri="{BB962C8B-B14F-4D97-AF65-F5344CB8AC3E}">
-        <p14:creationId xmlns:p14="http://schemas.microsoft.com/office/powerpoint/2010/main" val="3285234035"/>
+        <p14:creationId xmlns:p14="http://schemas.microsoft.com/office/powerpoint/2010/main" val="1147039095"/>
       </p:ext>
     </p:extLst>
   </p:cSld>
@@ -755,7 +755,7 @@
           <p:cNvPr id="2" name="标题 1">
             <a:extLst>
               <a:ext uri="{FF2B5EF4-FFF2-40B4-BE49-F238E27FC236}">
-                <a16:creationId xmlns:a16="http://schemas.microsoft.com/office/drawing/2014/main" id="{F6D56787-CA33-1A62-B1BE-F2C9CC2C5763}"/>
+                <a16:creationId xmlns:a16="http://schemas.microsoft.com/office/drawing/2014/main" id="{7FE2C6CB-C5B9-665A-2CBA-14D46DB2C24B}"/>
               </a:ext>
             </a:extLst>
           </p:cNvPr>
@@ -783,7 +783,7 @@
           <p:cNvPr id="3" name="内容占位符 2">
             <a:extLst>
               <a:ext uri="{FF2B5EF4-FFF2-40B4-BE49-F238E27FC236}">
-                <a16:creationId xmlns:a16="http://schemas.microsoft.com/office/drawing/2014/main" id="{83B5261C-CB4E-8E3A-EC52-D636F2A31F5F}"/>
+                <a16:creationId xmlns:a16="http://schemas.microsoft.com/office/drawing/2014/main" id="{9E874F09-666A-C3CB-BACB-36C480EFB258}"/>
               </a:ext>
             </a:extLst>
           </p:cNvPr>
@@ -840,7 +840,7 @@
           <p:cNvPr id="4" name="日期占位符 3">
             <a:extLst>
               <a:ext uri="{FF2B5EF4-FFF2-40B4-BE49-F238E27FC236}">
-                <a16:creationId xmlns:a16="http://schemas.microsoft.com/office/drawing/2014/main" id="{15854ECA-C79D-4274-FD4E-4EFDE8E2C339}"/>
+                <a16:creationId xmlns:a16="http://schemas.microsoft.com/office/drawing/2014/main" id="{4ADF74D5-3EF7-4CCE-7E86-03BC1078705B}"/>
               </a:ext>
             </a:extLst>
           </p:cNvPr>
@@ -856,7 +856,7 @@
           <a:bodyPr/>
           <a:lstStyle/>
           <a:p>
-            <a:fld id="{2BEE4D89-FD90-40CC-8E14-ECC08A759B65}" type="datetimeFigureOut">
+            <a:fld id="{300EF2B6-4020-4898-8ADB-9B87F30734A1}" type="datetimeFigureOut">
               <a:rPr lang="zh-CN" altLang="en-US" smtClean="0"/>
               <a:t>2024/3/10</a:t>
             </a:fld>
@@ -869,7 +869,7 @@
           <p:cNvPr id="5" name="页脚占位符 4">
             <a:extLst>
               <a:ext uri="{FF2B5EF4-FFF2-40B4-BE49-F238E27FC236}">
-                <a16:creationId xmlns:a16="http://schemas.microsoft.com/office/drawing/2014/main" id="{24C93011-237A-C711-E461-2C74098CF033}"/>
+                <a16:creationId xmlns:a16="http://schemas.microsoft.com/office/drawing/2014/main" id="{03F9BC84-C218-6570-65CA-1F789024AD84}"/>
               </a:ext>
             </a:extLst>
           </p:cNvPr>
@@ -894,7 +894,7 @@
           <p:cNvPr id="6" name="灯片编号占位符 5">
             <a:extLst>
               <a:ext uri="{FF2B5EF4-FFF2-40B4-BE49-F238E27FC236}">
-                <a16:creationId xmlns:a16="http://schemas.microsoft.com/office/drawing/2014/main" id="{0D115E8E-BCC2-5552-A6EB-43161AF0AFEF}"/>
+                <a16:creationId xmlns:a16="http://schemas.microsoft.com/office/drawing/2014/main" id="{8AFB4C19-67C1-1343-FBB0-23D8F7A6E0EC}"/>
               </a:ext>
             </a:extLst>
           </p:cNvPr>
@@ -910,7 +910,7 @@
           <a:bodyPr/>
           <a:lstStyle/>
           <a:p>
-            <a:fld id="{346387A5-F59F-41E7-B310-176BB180DF38}" type="slidenum">
+            <a:fld id="{C9B30739-415D-4689-8EDA-61CC47E29653}" type="slidenum">
               <a:rPr lang="zh-CN" altLang="en-US" smtClean="0"/>
               <a:t>‹#›</a:t>
             </a:fld>
@@ -921,7 +921,7 @@
     </p:spTree>
     <p:extLst>
       <p:ext uri="{BB962C8B-B14F-4D97-AF65-F5344CB8AC3E}">
-        <p14:creationId xmlns:p14="http://schemas.microsoft.com/office/powerpoint/2010/main" val="1091219163"/>
+        <p14:creationId xmlns:p14="http://schemas.microsoft.com/office/powerpoint/2010/main" val="2855849913"/>
       </p:ext>
     </p:extLst>
   </p:cSld>
@@ -953,7 +953,7 @@
           <p:cNvPr id="2" name="标题 1">
             <a:extLst>
               <a:ext uri="{FF2B5EF4-FFF2-40B4-BE49-F238E27FC236}">
-                <a16:creationId xmlns:a16="http://schemas.microsoft.com/office/drawing/2014/main" id="{D80E9C92-1D23-4A9B-335F-0C5C067F01F6}"/>
+                <a16:creationId xmlns:a16="http://schemas.microsoft.com/office/drawing/2014/main" id="{E1DCFAC7-DA46-BB6C-1FCD-066FCC5C7590}"/>
               </a:ext>
             </a:extLst>
           </p:cNvPr>
@@ -990,7 +990,7 @@
           <p:cNvPr id="3" name="文本占位符 2">
             <a:extLst>
               <a:ext uri="{FF2B5EF4-FFF2-40B4-BE49-F238E27FC236}">
-                <a16:creationId xmlns:a16="http://schemas.microsoft.com/office/drawing/2014/main" id="{01811D23-B468-A012-3927-A9B6D7871294}"/>
+                <a16:creationId xmlns:a16="http://schemas.microsoft.com/office/drawing/2014/main" id="{08D8A228-70E2-C1E4-A6AA-4FD16A9F284E}"/>
               </a:ext>
             </a:extLst>
           </p:cNvPr>
@@ -1115,7 +1115,7 @@
           <p:cNvPr id="4" name="日期占位符 3">
             <a:extLst>
               <a:ext uri="{FF2B5EF4-FFF2-40B4-BE49-F238E27FC236}">
-                <a16:creationId xmlns:a16="http://schemas.microsoft.com/office/drawing/2014/main" id="{7E77A8D5-0ACC-C1DE-AE05-F80A1E39EAE7}"/>
+                <a16:creationId xmlns:a16="http://schemas.microsoft.com/office/drawing/2014/main" id="{E48FC6C9-3AB3-A3E0-F76A-4FDB22FFBD9F}"/>
               </a:ext>
             </a:extLst>
           </p:cNvPr>
@@ -1131,7 +1131,7 @@
           <a:bodyPr/>
           <a:lstStyle/>
           <a:p>
-            <a:fld id="{2BEE4D89-FD90-40CC-8E14-ECC08A759B65}" type="datetimeFigureOut">
+            <a:fld id="{300EF2B6-4020-4898-8ADB-9B87F30734A1}" type="datetimeFigureOut">
               <a:rPr lang="zh-CN" altLang="en-US" smtClean="0"/>
               <a:t>2024/3/10</a:t>
             </a:fld>
@@ -1144,7 +1144,7 @@
           <p:cNvPr id="5" name="页脚占位符 4">
             <a:extLst>
               <a:ext uri="{FF2B5EF4-FFF2-40B4-BE49-F238E27FC236}">
-                <a16:creationId xmlns:a16="http://schemas.microsoft.com/office/drawing/2014/main" id="{414ADC4E-7FDF-21D5-1DC5-9EFD1C6CEFB2}"/>
+                <a16:creationId xmlns:a16="http://schemas.microsoft.com/office/drawing/2014/main" id="{2A1982DE-5C15-E870-83B6-5DACC28EB7F5}"/>
               </a:ext>
             </a:extLst>
           </p:cNvPr>
@@ -1169,7 +1169,7 @@
           <p:cNvPr id="6" name="灯片编号占位符 5">
             <a:extLst>
               <a:ext uri="{FF2B5EF4-FFF2-40B4-BE49-F238E27FC236}">
-                <a16:creationId xmlns:a16="http://schemas.microsoft.com/office/drawing/2014/main" id="{5ED7DEF1-C52F-938A-901D-5DABAA14AB48}"/>
+                <a16:creationId xmlns:a16="http://schemas.microsoft.com/office/drawing/2014/main" id="{1DAC3D9A-F0EB-50FC-69E9-6BD7492A1953}"/>
               </a:ext>
             </a:extLst>
           </p:cNvPr>
@@ -1185,7 +1185,7 @@
           <a:bodyPr/>
           <a:lstStyle/>
           <a:p>
-            <a:fld id="{346387A5-F59F-41E7-B310-176BB180DF38}" type="slidenum">
+            <a:fld id="{C9B30739-415D-4689-8EDA-61CC47E29653}" type="slidenum">
               <a:rPr lang="zh-CN" altLang="en-US" smtClean="0"/>
               <a:t>‹#›</a:t>
             </a:fld>
@@ -1196,7 +1196,7 @@
     </p:spTree>
     <p:extLst>
       <p:ext uri="{BB962C8B-B14F-4D97-AF65-F5344CB8AC3E}">
-        <p14:creationId xmlns:p14="http://schemas.microsoft.com/office/powerpoint/2010/main" val="2558986636"/>
+        <p14:creationId xmlns:p14="http://schemas.microsoft.com/office/powerpoint/2010/main" val="277995588"/>
       </p:ext>
     </p:extLst>
   </p:cSld>
@@ -1228,7 +1228,7 @@
           <p:cNvPr id="2" name="标题 1">
             <a:extLst>
               <a:ext uri="{FF2B5EF4-FFF2-40B4-BE49-F238E27FC236}">
-                <a16:creationId xmlns:a16="http://schemas.microsoft.com/office/drawing/2014/main" id="{161D318F-B763-5773-1326-7642FB187DBB}"/>
+                <a16:creationId xmlns:a16="http://schemas.microsoft.com/office/drawing/2014/main" id="{F92099DE-2022-AC95-B9A0-F42E8D81CF45}"/>
               </a:ext>
             </a:extLst>
           </p:cNvPr>
@@ -1256,7 +1256,7 @@
           <p:cNvPr id="3" name="内容占位符 2">
             <a:extLst>
               <a:ext uri="{FF2B5EF4-FFF2-40B4-BE49-F238E27FC236}">
-                <a16:creationId xmlns:a16="http://schemas.microsoft.com/office/drawing/2014/main" id="{A2675B8B-65C3-8FB1-5B7F-DEE73A6CAA55}"/>
+                <a16:creationId xmlns:a16="http://schemas.microsoft.com/office/drawing/2014/main" id="{BE9840B4-A9E8-F6BC-E47B-7B1A6547800C}"/>
               </a:ext>
             </a:extLst>
           </p:cNvPr>
@@ -1318,7 +1318,7 @@
           <p:cNvPr id="4" name="内容占位符 3">
             <a:extLst>
               <a:ext uri="{FF2B5EF4-FFF2-40B4-BE49-F238E27FC236}">
-                <a16:creationId xmlns:a16="http://schemas.microsoft.com/office/drawing/2014/main" id="{16186075-B710-5D3F-BAB5-4C0E61E92FD1}"/>
+                <a16:creationId xmlns:a16="http://schemas.microsoft.com/office/drawing/2014/main" id="{879BCF1C-E007-BF82-52AE-FB994F04D3C4}"/>
               </a:ext>
             </a:extLst>
           </p:cNvPr>
@@ -1380,7 +1380,7 @@
           <p:cNvPr id="5" name="日期占位符 4">
             <a:extLst>
               <a:ext uri="{FF2B5EF4-FFF2-40B4-BE49-F238E27FC236}">
-                <a16:creationId xmlns:a16="http://schemas.microsoft.com/office/drawing/2014/main" id="{FDD4B3B6-3269-E2C9-40FC-43F85A576700}"/>
+                <a16:creationId xmlns:a16="http://schemas.microsoft.com/office/drawing/2014/main" id="{7FAA0B9E-52DD-6285-3173-06B71DD3E11C}"/>
               </a:ext>
             </a:extLst>
           </p:cNvPr>
@@ -1396,7 +1396,7 @@
           <a:bodyPr/>
           <a:lstStyle/>
           <a:p>
-            <a:fld id="{2BEE4D89-FD90-40CC-8E14-ECC08A759B65}" type="datetimeFigureOut">
+            <a:fld id="{300EF2B6-4020-4898-8ADB-9B87F30734A1}" type="datetimeFigureOut">
               <a:rPr lang="zh-CN" altLang="en-US" smtClean="0"/>
               <a:t>2024/3/10</a:t>
             </a:fld>
@@ -1409,7 +1409,7 @@
           <p:cNvPr id="6" name="页脚占位符 5">
             <a:extLst>
               <a:ext uri="{FF2B5EF4-FFF2-40B4-BE49-F238E27FC236}">
-                <a16:creationId xmlns:a16="http://schemas.microsoft.com/office/drawing/2014/main" id="{D611F0BE-017B-8F6E-A5B9-D53F241668FD}"/>
+                <a16:creationId xmlns:a16="http://schemas.microsoft.com/office/drawing/2014/main" id="{B3F83B55-7A41-45C7-7B82-C756432EBC2A}"/>
               </a:ext>
             </a:extLst>
           </p:cNvPr>
@@ -1434,7 +1434,7 @@
           <p:cNvPr id="7" name="灯片编号占位符 6">
             <a:extLst>
               <a:ext uri="{FF2B5EF4-FFF2-40B4-BE49-F238E27FC236}">
-                <a16:creationId xmlns:a16="http://schemas.microsoft.com/office/drawing/2014/main" id="{5A8278BD-A44D-2410-27F6-DFFA4C61B0F8}"/>
+                <a16:creationId xmlns:a16="http://schemas.microsoft.com/office/drawing/2014/main" id="{B13C6A9E-D511-1290-34D9-262D7C20175E}"/>
               </a:ext>
             </a:extLst>
           </p:cNvPr>
@@ -1450,7 +1450,7 @@
           <a:bodyPr/>
           <a:lstStyle/>
           <a:p>
-            <a:fld id="{346387A5-F59F-41E7-B310-176BB180DF38}" type="slidenum">
+            <a:fld id="{C9B30739-415D-4689-8EDA-61CC47E29653}" type="slidenum">
               <a:rPr lang="zh-CN" altLang="en-US" smtClean="0"/>
               <a:t>‹#›</a:t>
             </a:fld>
@@ -1461,7 +1461,7 @@
     </p:spTree>
     <p:extLst>
       <p:ext uri="{BB962C8B-B14F-4D97-AF65-F5344CB8AC3E}">
-        <p14:creationId xmlns:p14="http://schemas.microsoft.com/office/powerpoint/2010/main" val="3549607741"/>
+        <p14:creationId xmlns:p14="http://schemas.microsoft.com/office/powerpoint/2010/main" val="1250860464"/>
       </p:ext>
     </p:extLst>
   </p:cSld>
@@ -1493,7 +1493,7 @@
           <p:cNvPr id="2" name="标题 1">
             <a:extLst>
               <a:ext uri="{FF2B5EF4-FFF2-40B4-BE49-F238E27FC236}">
-                <a16:creationId xmlns:a16="http://schemas.microsoft.com/office/drawing/2014/main" id="{4D97E853-0147-7C48-8299-5C969ECDDF10}"/>
+                <a16:creationId xmlns:a16="http://schemas.microsoft.com/office/drawing/2014/main" id="{F423106F-40CE-36D3-A102-3459BE7F4872}"/>
               </a:ext>
             </a:extLst>
           </p:cNvPr>
@@ -1526,7 +1526,7 @@
           <p:cNvPr id="3" name="文本占位符 2">
             <a:extLst>
               <a:ext uri="{FF2B5EF4-FFF2-40B4-BE49-F238E27FC236}">
-                <a16:creationId xmlns:a16="http://schemas.microsoft.com/office/drawing/2014/main" id="{041D5A4F-C57F-4E64-F001-2E45B3ADFB8F}"/>
+                <a16:creationId xmlns:a16="http://schemas.microsoft.com/office/drawing/2014/main" id="{77E8A0B4-928E-8E00-17B2-86EEB71AC3A4}"/>
               </a:ext>
             </a:extLst>
           </p:cNvPr>
@@ -1597,7 +1597,7 @@
           <p:cNvPr id="4" name="内容占位符 3">
             <a:extLst>
               <a:ext uri="{FF2B5EF4-FFF2-40B4-BE49-F238E27FC236}">
-                <a16:creationId xmlns:a16="http://schemas.microsoft.com/office/drawing/2014/main" id="{D3F72CB2-E530-504A-376B-1678CE8CDD6B}"/>
+                <a16:creationId xmlns:a16="http://schemas.microsoft.com/office/drawing/2014/main" id="{3E17963B-451D-DE10-E8C8-65AC7A12607F}"/>
               </a:ext>
             </a:extLst>
           </p:cNvPr>
@@ -1659,7 +1659,7 @@
           <p:cNvPr id="5" name="文本占位符 4">
             <a:extLst>
               <a:ext uri="{FF2B5EF4-FFF2-40B4-BE49-F238E27FC236}">
-                <a16:creationId xmlns:a16="http://schemas.microsoft.com/office/drawing/2014/main" id="{F0491128-C85B-2517-B2D1-E31DF6885980}"/>
+                <a16:creationId xmlns:a16="http://schemas.microsoft.com/office/drawing/2014/main" id="{76815DD9-429F-7905-3ECF-559879B3CC4F}"/>
               </a:ext>
             </a:extLst>
           </p:cNvPr>
@@ -1730,7 +1730,7 @@
           <p:cNvPr id="6" name="内容占位符 5">
             <a:extLst>
               <a:ext uri="{FF2B5EF4-FFF2-40B4-BE49-F238E27FC236}">
-                <a16:creationId xmlns:a16="http://schemas.microsoft.com/office/drawing/2014/main" id="{D6D597EB-DE02-3AF8-7C22-53A630EC4A2D}"/>
+                <a16:creationId xmlns:a16="http://schemas.microsoft.com/office/drawing/2014/main" id="{00B01309-7916-1A61-5BCE-0BCE271189C9}"/>
               </a:ext>
             </a:extLst>
           </p:cNvPr>
@@ -1792,7 +1792,7 @@
           <p:cNvPr id="7" name="日期占位符 6">
             <a:extLst>
               <a:ext uri="{FF2B5EF4-FFF2-40B4-BE49-F238E27FC236}">
-                <a16:creationId xmlns:a16="http://schemas.microsoft.com/office/drawing/2014/main" id="{A69AF4E2-482F-3ECE-C96B-B6339F45F430}"/>
+                <a16:creationId xmlns:a16="http://schemas.microsoft.com/office/drawing/2014/main" id="{E9F59665-38CA-CFCC-C984-2A6E47108C63}"/>
               </a:ext>
             </a:extLst>
           </p:cNvPr>
@@ -1808,7 +1808,7 @@
           <a:bodyPr/>
           <a:lstStyle/>
           <a:p>
-            <a:fld id="{2BEE4D89-FD90-40CC-8E14-ECC08A759B65}" type="datetimeFigureOut">
+            <a:fld id="{300EF2B6-4020-4898-8ADB-9B87F30734A1}" type="datetimeFigureOut">
               <a:rPr lang="zh-CN" altLang="en-US" smtClean="0"/>
               <a:t>2024/3/10</a:t>
             </a:fld>
@@ -1821,7 +1821,7 @@
           <p:cNvPr id="8" name="页脚占位符 7">
             <a:extLst>
               <a:ext uri="{FF2B5EF4-FFF2-40B4-BE49-F238E27FC236}">
-                <a16:creationId xmlns:a16="http://schemas.microsoft.com/office/drawing/2014/main" id="{B96E7136-6455-A752-3257-7912810903E2}"/>
+                <a16:creationId xmlns:a16="http://schemas.microsoft.com/office/drawing/2014/main" id="{84242DBA-3CBB-0B01-A603-DE2B5A61968B}"/>
               </a:ext>
             </a:extLst>
           </p:cNvPr>
@@ -1846,7 +1846,7 @@
           <p:cNvPr id="9" name="灯片编号占位符 8">
             <a:extLst>
               <a:ext uri="{FF2B5EF4-FFF2-40B4-BE49-F238E27FC236}">
-                <a16:creationId xmlns:a16="http://schemas.microsoft.com/office/drawing/2014/main" id="{F566FE13-9E4A-2497-54C7-59B9E8A33E69}"/>
+                <a16:creationId xmlns:a16="http://schemas.microsoft.com/office/drawing/2014/main" id="{0414B4D0-7F6A-847A-40A3-5435036A25FB}"/>
               </a:ext>
             </a:extLst>
           </p:cNvPr>
@@ -1862,7 +1862,7 @@
           <a:bodyPr/>
           <a:lstStyle/>
           <a:p>
-            <a:fld id="{346387A5-F59F-41E7-B310-176BB180DF38}" type="slidenum">
+            <a:fld id="{C9B30739-415D-4689-8EDA-61CC47E29653}" type="slidenum">
               <a:rPr lang="zh-CN" altLang="en-US" smtClean="0"/>
               <a:t>‹#›</a:t>
             </a:fld>
@@ -1873,7 +1873,7 @@
     </p:spTree>
     <p:extLst>
       <p:ext uri="{BB962C8B-B14F-4D97-AF65-F5344CB8AC3E}">
-        <p14:creationId xmlns:p14="http://schemas.microsoft.com/office/powerpoint/2010/main" val="1902154489"/>
+        <p14:creationId xmlns:p14="http://schemas.microsoft.com/office/powerpoint/2010/main" val="1716913198"/>
       </p:ext>
     </p:extLst>
   </p:cSld>
@@ -1905,7 +1905,7 @@
           <p:cNvPr id="2" name="标题 1">
             <a:extLst>
               <a:ext uri="{FF2B5EF4-FFF2-40B4-BE49-F238E27FC236}">
-                <a16:creationId xmlns:a16="http://schemas.microsoft.com/office/drawing/2014/main" id="{7BB4F04F-96E3-8068-CF4E-E38A83E3C50A}"/>
+                <a16:creationId xmlns:a16="http://schemas.microsoft.com/office/drawing/2014/main" id="{F1488FDB-C86E-6C3D-51D6-588507145C61}"/>
               </a:ext>
             </a:extLst>
           </p:cNvPr>
@@ -1933,7 +1933,7 @@
           <p:cNvPr id="3" name="日期占位符 2">
             <a:extLst>
               <a:ext uri="{FF2B5EF4-FFF2-40B4-BE49-F238E27FC236}">
-                <a16:creationId xmlns:a16="http://schemas.microsoft.com/office/drawing/2014/main" id="{30A6E99E-F2F5-D7F6-EFDD-939831E117EC}"/>
+                <a16:creationId xmlns:a16="http://schemas.microsoft.com/office/drawing/2014/main" id="{A10310CC-022B-1731-1E1F-4078BD469033}"/>
               </a:ext>
             </a:extLst>
           </p:cNvPr>
@@ -1949,7 +1949,7 @@
           <a:bodyPr/>
           <a:lstStyle/>
           <a:p>
-            <a:fld id="{2BEE4D89-FD90-40CC-8E14-ECC08A759B65}" type="datetimeFigureOut">
+            <a:fld id="{300EF2B6-4020-4898-8ADB-9B87F30734A1}" type="datetimeFigureOut">
               <a:rPr lang="zh-CN" altLang="en-US" smtClean="0"/>
               <a:t>2024/3/10</a:t>
             </a:fld>
@@ -1962,7 +1962,7 @@
           <p:cNvPr id="4" name="页脚占位符 3">
             <a:extLst>
               <a:ext uri="{FF2B5EF4-FFF2-40B4-BE49-F238E27FC236}">
-                <a16:creationId xmlns:a16="http://schemas.microsoft.com/office/drawing/2014/main" id="{9E9D6C60-23DA-0E40-D9C3-D88B51AB05BB}"/>
+                <a16:creationId xmlns:a16="http://schemas.microsoft.com/office/drawing/2014/main" id="{1089F3B8-03B9-0CB6-993A-AA86678B9B42}"/>
               </a:ext>
             </a:extLst>
           </p:cNvPr>
@@ -1987,7 +1987,7 @@
           <p:cNvPr id="5" name="灯片编号占位符 4">
             <a:extLst>
               <a:ext uri="{FF2B5EF4-FFF2-40B4-BE49-F238E27FC236}">
-                <a16:creationId xmlns:a16="http://schemas.microsoft.com/office/drawing/2014/main" id="{A3634E00-3373-A747-3DF5-94055C58C1BF}"/>
+                <a16:creationId xmlns:a16="http://schemas.microsoft.com/office/drawing/2014/main" id="{8C048AD5-50DB-5181-8001-6CDCED4EF90B}"/>
               </a:ext>
             </a:extLst>
           </p:cNvPr>
@@ -2003,7 +2003,7 @@
           <a:bodyPr/>
           <a:lstStyle/>
           <a:p>
-            <a:fld id="{346387A5-F59F-41E7-B310-176BB180DF38}" type="slidenum">
+            <a:fld id="{C9B30739-415D-4689-8EDA-61CC47E29653}" type="slidenum">
               <a:rPr lang="zh-CN" altLang="en-US" smtClean="0"/>
               <a:t>‹#›</a:t>
             </a:fld>
@@ -2014,7 +2014,7 @@
     </p:spTree>
     <p:extLst>
       <p:ext uri="{BB962C8B-B14F-4D97-AF65-F5344CB8AC3E}">
-        <p14:creationId xmlns:p14="http://schemas.microsoft.com/office/powerpoint/2010/main" val="2224248690"/>
+        <p14:creationId xmlns:p14="http://schemas.microsoft.com/office/powerpoint/2010/main" val="730175645"/>
       </p:ext>
     </p:extLst>
   </p:cSld>
@@ -2046,7 +2046,7 @@
           <p:cNvPr id="2" name="日期占位符 1">
             <a:extLst>
               <a:ext uri="{FF2B5EF4-FFF2-40B4-BE49-F238E27FC236}">
-                <a16:creationId xmlns:a16="http://schemas.microsoft.com/office/drawing/2014/main" id="{6FA8FBB4-B5B6-3ECA-5DCC-507DFD5E0C94}"/>
+                <a16:creationId xmlns:a16="http://schemas.microsoft.com/office/drawing/2014/main" id="{FD6C7A98-B22C-25E3-8AE9-AD8C8AD3A6C4}"/>
               </a:ext>
             </a:extLst>
           </p:cNvPr>
@@ -2062,7 +2062,7 @@
           <a:bodyPr/>
           <a:lstStyle/>
           <a:p>
-            <a:fld id="{2BEE4D89-FD90-40CC-8E14-ECC08A759B65}" type="datetimeFigureOut">
+            <a:fld id="{300EF2B6-4020-4898-8ADB-9B87F30734A1}" type="datetimeFigureOut">
               <a:rPr lang="zh-CN" altLang="en-US" smtClean="0"/>
               <a:t>2024/3/10</a:t>
             </a:fld>
@@ -2075,7 +2075,7 @@
           <p:cNvPr id="3" name="页脚占位符 2">
             <a:extLst>
               <a:ext uri="{FF2B5EF4-FFF2-40B4-BE49-F238E27FC236}">
-                <a16:creationId xmlns:a16="http://schemas.microsoft.com/office/drawing/2014/main" id="{64D7A471-11B5-E640-C02D-1EE5EC041BCF}"/>
+                <a16:creationId xmlns:a16="http://schemas.microsoft.com/office/drawing/2014/main" id="{307B4C94-5119-0F8D-5438-E8405EA05026}"/>
               </a:ext>
             </a:extLst>
           </p:cNvPr>
@@ -2100,7 +2100,7 @@
           <p:cNvPr id="4" name="灯片编号占位符 3">
             <a:extLst>
               <a:ext uri="{FF2B5EF4-FFF2-40B4-BE49-F238E27FC236}">
-                <a16:creationId xmlns:a16="http://schemas.microsoft.com/office/drawing/2014/main" id="{93375CA2-C687-3061-DF1C-8C536C1D53CF}"/>
+                <a16:creationId xmlns:a16="http://schemas.microsoft.com/office/drawing/2014/main" id="{F72E1FD1-A362-D2DC-D0A8-2B287E2D4701}"/>
               </a:ext>
             </a:extLst>
           </p:cNvPr>
@@ -2116,7 +2116,7 @@
           <a:bodyPr/>
           <a:lstStyle/>
           <a:p>
-            <a:fld id="{346387A5-F59F-41E7-B310-176BB180DF38}" type="slidenum">
+            <a:fld id="{C9B30739-415D-4689-8EDA-61CC47E29653}" type="slidenum">
               <a:rPr lang="zh-CN" altLang="en-US" smtClean="0"/>
               <a:t>‹#›</a:t>
             </a:fld>
@@ -2127,7 +2127,7 @@
     </p:spTree>
     <p:extLst>
       <p:ext uri="{BB962C8B-B14F-4D97-AF65-F5344CB8AC3E}">
-        <p14:creationId xmlns:p14="http://schemas.microsoft.com/office/powerpoint/2010/main" val="2682266426"/>
+        <p14:creationId xmlns:p14="http://schemas.microsoft.com/office/powerpoint/2010/main" val="3632665768"/>
       </p:ext>
     </p:extLst>
   </p:cSld>
@@ -2159,7 +2159,7 @@
           <p:cNvPr id="2" name="标题 1">
             <a:extLst>
               <a:ext uri="{FF2B5EF4-FFF2-40B4-BE49-F238E27FC236}">
-                <a16:creationId xmlns:a16="http://schemas.microsoft.com/office/drawing/2014/main" id="{1A08762C-9325-9439-75B2-CAEAF3E81F19}"/>
+                <a16:creationId xmlns:a16="http://schemas.microsoft.com/office/drawing/2014/main" id="{BD3E22C7-D460-293E-2998-AF36E7032E23}"/>
               </a:ext>
             </a:extLst>
           </p:cNvPr>
@@ -2196,7 +2196,7 @@
           <p:cNvPr id="3" name="内容占位符 2">
             <a:extLst>
               <a:ext uri="{FF2B5EF4-FFF2-40B4-BE49-F238E27FC236}">
-                <a16:creationId xmlns:a16="http://schemas.microsoft.com/office/drawing/2014/main" id="{8E91D83E-165B-C78E-CFE7-E69FB52D70C4}"/>
+                <a16:creationId xmlns:a16="http://schemas.microsoft.com/office/drawing/2014/main" id="{09EF37E7-451D-5DFD-EA64-4708AB053AC8}"/>
               </a:ext>
             </a:extLst>
           </p:cNvPr>
@@ -2286,7 +2286,7 @@
           <p:cNvPr id="4" name="文本占位符 3">
             <a:extLst>
               <a:ext uri="{FF2B5EF4-FFF2-40B4-BE49-F238E27FC236}">
-                <a16:creationId xmlns:a16="http://schemas.microsoft.com/office/drawing/2014/main" id="{FF40237B-F8E5-E73C-1BA9-CFB297DDC89D}"/>
+                <a16:creationId xmlns:a16="http://schemas.microsoft.com/office/drawing/2014/main" id="{815551D1-A88A-B7C7-B5E8-1672141FB1F7}"/>
               </a:ext>
             </a:extLst>
           </p:cNvPr>
@@ -2357,7 +2357,7 @@
           <p:cNvPr id="5" name="日期占位符 4">
             <a:extLst>
               <a:ext uri="{FF2B5EF4-FFF2-40B4-BE49-F238E27FC236}">
-                <a16:creationId xmlns:a16="http://schemas.microsoft.com/office/drawing/2014/main" id="{DCA0013E-6AFE-A5D7-19FA-C9DFDD270D63}"/>
+                <a16:creationId xmlns:a16="http://schemas.microsoft.com/office/drawing/2014/main" id="{0CF19717-21F6-F58B-24EA-BC8B12C2AEBF}"/>
               </a:ext>
             </a:extLst>
           </p:cNvPr>
@@ -2373,7 +2373,7 @@
           <a:bodyPr/>
           <a:lstStyle/>
           <a:p>
-            <a:fld id="{2BEE4D89-FD90-40CC-8E14-ECC08A759B65}" type="datetimeFigureOut">
+            <a:fld id="{300EF2B6-4020-4898-8ADB-9B87F30734A1}" type="datetimeFigureOut">
               <a:rPr lang="zh-CN" altLang="en-US" smtClean="0"/>
               <a:t>2024/3/10</a:t>
             </a:fld>
@@ -2386,7 +2386,7 @@
           <p:cNvPr id="6" name="页脚占位符 5">
             <a:extLst>
               <a:ext uri="{FF2B5EF4-FFF2-40B4-BE49-F238E27FC236}">
-                <a16:creationId xmlns:a16="http://schemas.microsoft.com/office/drawing/2014/main" id="{FDB5B424-ACC2-E421-ADD5-E49C699F578D}"/>
+                <a16:creationId xmlns:a16="http://schemas.microsoft.com/office/drawing/2014/main" id="{D0A579CD-1689-20A2-2A29-9053EE64EB48}"/>
               </a:ext>
             </a:extLst>
           </p:cNvPr>
@@ -2411,7 +2411,7 @@
           <p:cNvPr id="7" name="灯片编号占位符 6">
             <a:extLst>
               <a:ext uri="{FF2B5EF4-FFF2-40B4-BE49-F238E27FC236}">
-                <a16:creationId xmlns:a16="http://schemas.microsoft.com/office/drawing/2014/main" id="{DA2862FB-E7F0-F400-8FC4-EF78D7023D47}"/>
+                <a16:creationId xmlns:a16="http://schemas.microsoft.com/office/drawing/2014/main" id="{B96974AA-8819-F5CE-1818-8475C49C0B06}"/>
               </a:ext>
             </a:extLst>
           </p:cNvPr>
@@ -2427,7 +2427,7 @@
           <a:bodyPr/>
           <a:lstStyle/>
           <a:p>
-            <a:fld id="{346387A5-F59F-41E7-B310-176BB180DF38}" type="slidenum">
+            <a:fld id="{C9B30739-415D-4689-8EDA-61CC47E29653}" type="slidenum">
               <a:rPr lang="zh-CN" altLang="en-US" smtClean="0"/>
               <a:t>‹#›</a:t>
             </a:fld>
@@ -2438,7 +2438,7 @@
     </p:spTree>
     <p:extLst>
       <p:ext uri="{BB962C8B-B14F-4D97-AF65-F5344CB8AC3E}">
-        <p14:creationId xmlns:p14="http://schemas.microsoft.com/office/powerpoint/2010/main" val="1470638235"/>
+        <p14:creationId xmlns:p14="http://schemas.microsoft.com/office/powerpoint/2010/main" val="3294818346"/>
       </p:ext>
     </p:extLst>
   </p:cSld>
@@ -2470,7 +2470,7 @@
           <p:cNvPr id="2" name="标题 1">
             <a:extLst>
               <a:ext uri="{FF2B5EF4-FFF2-40B4-BE49-F238E27FC236}">
-                <a16:creationId xmlns:a16="http://schemas.microsoft.com/office/drawing/2014/main" id="{5106A29C-7B0D-C8BD-BF94-A43015FB827A}"/>
+                <a16:creationId xmlns:a16="http://schemas.microsoft.com/office/drawing/2014/main" id="{7DD207E3-7A94-BDF1-E946-551FD902BB1E}"/>
               </a:ext>
             </a:extLst>
           </p:cNvPr>
@@ -2507,7 +2507,7 @@
           <p:cNvPr id="3" name="图片占位符 2">
             <a:extLst>
               <a:ext uri="{FF2B5EF4-FFF2-40B4-BE49-F238E27FC236}">
-                <a16:creationId xmlns:a16="http://schemas.microsoft.com/office/drawing/2014/main" id="{DA9B9F53-7927-F56C-CB9B-67FDBDA29604}"/>
+                <a16:creationId xmlns:a16="http://schemas.microsoft.com/office/drawing/2014/main" id="{F3BB7877-48F8-EB01-3836-2A0A2C475898}"/>
               </a:ext>
             </a:extLst>
           </p:cNvPr>
@@ -2574,7 +2574,7 @@
           <p:cNvPr id="4" name="文本占位符 3">
             <a:extLst>
               <a:ext uri="{FF2B5EF4-FFF2-40B4-BE49-F238E27FC236}">
-                <a16:creationId xmlns:a16="http://schemas.microsoft.com/office/drawing/2014/main" id="{4118EDF2-64B6-AAC9-4899-64DBF0EEEC87}"/>
+                <a16:creationId xmlns:a16="http://schemas.microsoft.com/office/drawing/2014/main" id="{031BA2D4-C08F-E808-9B43-85134EBB043B}"/>
               </a:ext>
             </a:extLst>
           </p:cNvPr>
@@ -2645,7 +2645,7 @@
           <p:cNvPr id="5" name="日期占位符 4">
             <a:extLst>
               <a:ext uri="{FF2B5EF4-FFF2-40B4-BE49-F238E27FC236}">
-                <a16:creationId xmlns:a16="http://schemas.microsoft.com/office/drawing/2014/main" id="{5614B3AD-9F00-A754-BC23-3DCEDABF6536}"/>
+                <a16:creationId xmlns:a16="http://schemas.microsoft.com/office/drawing/2014/main" id="{E6DD7748-F2CB-619F-DCE1-F3D6F6E49C43}"/>
               </a:ext>
             </a:extLst>
           </p:cNvPr>
@@ -2661,7 +2661,7 @@
           <a:bodyPr/>
           <a:lstStyle/>
           <a:p>
-            <a:fld id="{2BEE4D89-FD90-40CC-8E14-ECC08A759B65}" type="datetimeFigureOut">
+            <a:fld id="{300EF2B6-4020-4898-8ADB-9B87F30734A1}" type="datetimeFigureOut">
               <a:rPr lang="zh-CN" altLang="en-US" smtClean="0"/>
               <a:t>2024/3/10</a:t>
             </a:fld>
@@ -2674,7 +2674,7 @@
           <p:cNvPr id="6" name="页脚占位符 5">
             <a:extLst>
               <a:ext uri="{FF2B5EF4-FFF2-40B4-BE49-F238E27FC236}">
-                <a16:creationId xmlns:a16="http://schemas.microsoft.com/office/drawing/2014/main" id="{1ED8D6AB-E140-409B-FD20-83481A74564F}"/>
+                <a16:creationId xmlns:a16="http://schemas.microsoft.com/office/drawing/2014/main" id="{9441DEC8-9F5B-7C34-410E-51F52910AB98}"/>
               </a:ext>
             </a:extLst>
           </p:cNvPr>
@@ -2699,7 +2699,7 @@
           <p:cNvPr id="7" name="灯片编号占位符 6">
             <a:extLst>
               <a:ext uri="{FF2B5EF4-FFF2-40B4-BE49-F238E27FC236}">
-                <a16:creationId xmlns:a16="http://schemas.microsoft.com/office/drawing/2014/main" id="{ED135973-5005-2693-0B55-876EEA48B4FA}"/>
+                <a16:creationId xmlns:a16="http://schemas.microsoft.com/office/drawing/2014/main" id="{AF0D3189-49B6-973C-18C7-77CBDCE73262}"/>
               </a:ext>
             </a:extLst>
           </p:cNvPr>
@@ -2715,7 +2715,7 @@
           <a:bodyPr/>
           <a:lstStyle/>
           <a:p>
-            <a:fld id="{346387A5-F59F-41E7-B310-176BB180DF38}" type="slidenum">
+            <a:fld id="{C9B30739-415D-4689-8EDA-61CC47E29653}" type="slidenum">
               <a:rPr lang="zh-CN" altLang="en-US" smtClean="0"/>
               <a:t>‹#›</a:t>
             </a:fld>
@@ -2726,7 +2726,7 @@
     </p:spTree>
     <p:extLst>
       <p:ext uri="{BB962C8B-B14F-4D97-AF65-F5344CB8AC3E}">
-        <p14:creationId xmlns:p14="http://schemas.microsoft.com/office/powerpoint/2010/main" val="2370540140"/>
+        <p14:creationId xmlns:p14="http://schemas.microsoft.com/office/powerpoint/2010/main" val="624201479"/>
       </p:ext>
     </p:extLst>
   </p:cSld>
@@ -2763,7 +2763,7 @@
           <p:cNvPr id="2" name="标题占位符 1">
             <a:extLst>
               <a:ext uri="{FF2B5EF4-FFF2-40B4-BE49-F238E27FC236}">
-                <a16:creationId xmlns:a16="http://schemas.microsoft.com/office/drawing/2014/main" id="{51373876-7695-50A6-3055-0B99BF04FDF2}"/>
+                <a16:creationId xmlns:a16="http://schemas.microsoft.com/office/drawing/2014/main" id="{253135AF-13FD-4162-E8FB-574458D02EE2}"/>
               </a:ext>
             </a:extLst>
           </p:cNvPr>
@@ -2801,7 +2801,7 @@
           <p:cNvPr id="3" name="文本占位符 2">
             <a:extLst>
               <a:ext uri="{FF2B5EF4-FFF2-40B4-BE49-F238E27FC236}">
-                <a16:creationId xmlns:a16="http://schemas.microsoft.com/office/drawing/2014/main" id="{9B8F6748-3AF4-6C8D-C69D-30674E529B57}"/>
+                <a16:creationId xmlns:a16="http://schemas.microsoft.com/office/drawing/2014/main" id="{57E04732-5704-215A-2B07-B4B020433F8B}"/>
               </a:ext>
             </a:extLst>
           </p:cNvPr>
@@ -2868,7 +2868,7 @@
           <p:cNvPr id="4" name="日期占位符 3">
             <a:extLst>
               <a:ext uri="{FF2B5EF4-FFF2-40B4-BE49-F238E27FC236}">
-                <a16:creationId xmlns:a16="http://schemas.microsoft.com/office/drawing/2014/main" id="{CB3FD0AD-7B31-B476-D2B2-552D6A2F9B07}"/>
+                <a16:creationId xmlns:a16="http://schemas.microsoft.com/office/drawing/2014/main" id="{758E6EC2-6EAC-0B6D-8338-6A1FCAA1204C}"/>
               </a:ext>
             </a:extLst>
           </p:cNvPr>
@@ -2902,7 +2902,7 @@
             </a:lvl1pPr>
           </a:lstStyle>
           <a:p>
-            <a:fld id="{2BEE4D89-FD90-40CC-8E14-ECC08A759B65}" type="datetimeFigureOut">
+            <a:fld id="{300EF2B6-4020-4898-8ADB-9B87F30734A1}" type="datetimeFigureOut">
               <a:rPr lang="zh-CN" altLang="en-US" smtClean="0"/>
               <a:t>2024/3/10</a:t>
             </a:fld>
@@ -2915,7 +2915,7 @@
           <p:cNvPr id="5" name="页脚占位符 4">
             <a:extLst>
               <a:ext uri="{FF2B5EF4-FFF2-40B4-BE49-F238E27FC236}">
-                <a16:creationId xmlns:a16="http://schemas.microsoft.com/office/drawing/2014/main" id="{9F26A979-5BB0-2081-F678-6A7B77E53952}"/>
+                <a16:creationId xmlns:a16="http://schemas.microsoft.com/office/drawing/2014/main" id="{57BB7A29-5476-067A-FF48-7798AB259E21}"/>
               </a:ext>
             </a:extLst>
           </p:cNvPr>
@@ -2958,7 +2958,7 @@
           <p:cNvPr id="6" name="灯片编号占位符 5">
             <a:extLst>
               <a:ext uri="{FF2B5EF4-FFF2-40B4-BE49-F238E27FC236}">
-                <a16:creationId xmlns:a16="http://schemas.microsoft.com/office/drawing/2014/main" id="{85F89384-FA3F-5464-F332-EDD276047766}"/>
+                <a16:creationId xmlns:a16="http://schemas.microsoft.com/office/drawing/2014/main" id="{C1C1B765-EACF-05B6-F980-B6404998C8A7}"/>
               </a:ext>
             </a:extLst>
           </p:cNvPr>
@@ -2992,7 +2992,7 @@
             </a:lvl1pPr>
           </a:lstStyle>
           <a:p>
-            <a:fld id="{346387A5-F59F-41E7-B310-176BB180DF38}" type="slidenum">
+            <a:fld id="{C9B30739-415D-4689-8EDA-61CC47E29653}" type="slidenum">
               <a:rPr lang="zh-CN" altLang="en-US" smtClean="0"/>
               <a:t>‹#›</a:t>
             </a:fld>
@@ -3003,7 +3003,7 @@
     </p:spTree>
     <p:extLst>
       <p:ext uri="{BB962C8B-B14F-4D97-AF65-F5344CB8AC3E}">
-        <p14:creationId xmlns:p14="http://schemas.microsoft.com/office/powerpoint/2010/main" val="319665887"/>
+        <p14:creationId xmlns:p14="http://schemas.microsoft.com/office/powerpoint/2010/main" val="2690285497"/>
       </p:ext>
     </p:extLst>
   </p:cSld>
@@ -3323,7 +3323,7 @@
       </p:grpSpPr>
       <p:pic>
         <p:nvPicPr>
-          <p:cNvPr id="1582082" name="Picture 2" descr="1544"/>
+          <p:cNvPr id="1583106" name="Picture 2" descr="1545"/>
           <p:cNvPicPr>
             <a:picLocks noChangeAspect="1" noChangeArrowheads="1"/>
           </p:cNvPicPr>
@@ -3344,8 +3344,8 @@
         </p:blipFill>
         <p:spPr bwMode="auto">
           <a:xfrm>
-            <a:off x="1543050" y="14288"/>
-            <a:ext cx="9124950" cy="6843712"/>
+            <a:off x="1524001" y="1"/>
+            <a:ext cx="8964613" cy="6723063"/>
           </a:xfrm>
           <a:prstGeom prst="rect">
             <a:avLst/>
